--- a/example37.pptx
+++ b/example37.pptx
@@ -155,10 +155,9 @@
           </a:lstStyle>
           <a:p>
             <a:r>
-              <a:rPr lang="en-US" smtClean="0"/>
+              <a:rPr lang="en-US"/>
               <a:t>Click to edit Master title style</a:t>
             </a:r>
-            <a:endParaRPr lang="en-US"/>
           </a:p>
         </p:txBody>
       </p:sp>
@@ -220,10 +219,9 @@
           </a:lstStyle>
           <a:p>
             <a:r>
-              <a:rPr lang="en-US" smtClean="0"/>
+              <a:rPr lang="en-US"/>
               <a:t>Click to edit Master subtitle style</a:t>
             </a:r>
-            <a:endParaRPr lang="en-US"/>
           </a:p>
         </p:txBody>
       </p:sp>
@@ -244,7 +242,7 @@
           <a:p>
             <a:fld id="{53514962-C078-4DCC-97D7-818822A2589C}" type="datetimeFigureOut">
               <a:rPr lang="en-US" smtClean="0"/>
-              <a:t>5/7/2021</a:t>
+              <a:t>5/8/2021</a:t>
             </a:fld>
             <a:endParaRPr lang="en-US"/>
           </a:p>
@@ -338,10 +336,9 @@
           <a:lstStyle/>
           <a:p>
             <a:r>
-              <a:rPr lang="en-US" smtClean="0"/>
+              <a:rPr lang="en-US"/>
               <a:t>Click to edit Master title style</a:t>
             </a:r>
-            <a:endParaRPr lang="en-US"/>
           </a:p>
         </p:txBody>
       </p:sp>
@@ -362,38 +359,37 @@
           <a:p>
             <a:pPr lvl="0"/>
             <a:r>
-              <a:rPr lang="en-US" smtClean="0"/>
+              <a:rPr lang="en-US"/>
               <a:t>Edit Master text styles</a:t>
             </a:r>
           </a:p>
           <a:p>
             <a:pPr lvl="1"/>
             <a:r>
-              <a:rPr lang="en-US" smtClean="0"/>
+              <a:rPr lang="en-US"/>
               <a:t>Second level</a:t>
             </a:r>
           </a:p>
           <a:p>
             <a:pPr lvl="2"/>
             <a:r>
-              <a:rPr lang="en-US" smtClean="0"/>
+              <a:rPr lang="en-US"/>
               <a:t>Third level</a:t>
             </a:r>
           </a:p>
           <a:p>
             <a:pPr lvl="3"/>
             <a:r>
-              <a:rPr lang="en-US" smtClean="0"/>
+              <a:rPr lang="en-US"/>
               <a:t>Fourth level</a:t>
             </a:r>
           </a:p>
           <a:p>
             <a:pPr lvl="4"/>
             <a:r>
-              <a:rPr lang="en-US" smtClean="0"/>
+              <a:rPr lang="en-US"/>
               <a:t>Fifth level</a:t>
             </a:r>
-            <a:endParaRPr lang="en-US"/>
           </a:p>
         </p:txBody>
       </p:sp>
@@ -414,7 +410,7 @@
           <a:p>
             <a:fld id="{53514962-C078-4DCC-97D7-818822A2589C}" type="datetimeFigureOut">
               <a:rPr lang="en-US" smtClean="0"/>
-              <a:t>5/7/2021</a:t>
+              <a:t>5/8/2021</a:t>
             </a:fld>
             <a:endParaRPr lang="en-US"/>
           </a:p>
@@ -513,10 +509,9 @@
           <a:lstStyle/>
           <a:p>
             <a:r>
-              <a:rPr lang="en-US" smtClean="0"/>
+              <a:rPr lang="en-US"/>
               <a:t>Click to edit Master title style</a:t>
             </a:r>
-            <a:endParaRPr lang="en-US"/>
           </a:p>
         </p:txBody>
       </p:sp>
@@ -542,38 +537,37 @@
           <a:p>
             <a:pPr lvl="0"/>
             <a:r>
-              <a:rPr lang="en-US" smtClean="0"/>
+              <a:rPr lang="en-US"/>
               <a:t>Edit Master text styles</a:t>
             </a:r>
           </a:p>
           <a:p>
             <a:pPr lvl="1"/>
             <a:r>
-              <a:rPr lang="en-US" smtClean="0"/>
+              <a:rPr lang="en-US"/>
               <a:t>Second level</a:t>
             </a:r>
           </a:p>
           <a:p>
             <a:pPr lvl="2"/>
             <a:r>
-              <a:rPr lang="en-US" smtClean="0"/>
+              <a:rPr lang="en-US"/>
               <a:t>Third level</a:t>
             </a:r>
           </a:p>
           <a:p>
             <a:pPr lvl="3"/>
             <a:r>
-              <a:rPr lang="en-US" smtClean="0"/>
+              <a:rPr lang="en-US"/>
               <a:t>Fourth level</a:t>
             </a:r>
           </a:p>
           <a:p>
             <a:pPr lvl="4"/>
             <a:r>
-              <a:rPr lang="en-US" smtClean="0"/>
+              <a:rPr lang="en-US"/>
               <a:t>Fifth level</a:t>
             </a:r>
-            <a:endParaRPr lang="en-US"/>
           </a:p>
         </p:txBody>
       </p:sp>
@@ -594,7 +588,7 @@
           <a:p>
             <a:fld id="{53514962-C078-4DCC-97D7-818822A2589C}" type="datetimeFigureOut">
               <a:rPr lang="en-US" smtClean="0"/>
-              <a:t>5/7/2021</a:t>
+              <a:t>5/8/2021</a:t>
             </a:fld>
             <a:endParaRPr lang="en-US"/>
           </a:p>
@@ -688,10 +682,9 @@
           <a:lstStyle/>
           <a:p>
             <a:r>
-              <a:rPr lang="en-US" smtClean="0"/>
+              <a:rPr lang="en-US"/>
               <a:t>Click to edit Master title style</a:t>
             </a:r>
-            <a:endParaRPr lang="en-US"/>
           </a:p>
         </p:txBody>
       </p:sp>
@@ -712,38 +705,37 @@
           <a:p>
             <a:pPr lvl="0"/>
             <a:r>
-              <a:rPr lang="en-US" smtClean="0"/>
+              <a:rPr lang="en-US"/>
               <a:t>Edit Master text styles</a:t>
             </a:r>
           </a:p>
           <a:p>
             <a:pPr lvl="1"/>
             <a:r>
-              <a:rPr lang="en-US" smtClean="0"/>
+              <a:rPr lang="en-US"/>
               <a:t>Second level</a:t>
             </a:r>
           </a:p>
           <a:p>
             <a:pPr lvl="2"/>
             <a:r>
-              <a:rPr lang="en-US" smtClean="0"/>
+              <a:rPr lang="en-US"/>
               <a:t>Third level</a:t>
             </a:r>
           </a:p>
           <a:p>
             <a:pPr lvl="3"/>
             <a:r>
-              <a:rPr lang="en-US" smtClean="0"/>
+              <a:rPr lang="en-US"/>
               <a:t>Fourth level</a:t>
             </a:r>
           </a:p>
           <a:p>
             <a:pPr lvl="4"/>
             <a:r>
-              <a:rPr lang="en-US" smtClean="0"/>
+              <a:rPr lang="en-US"/>
               <a:t>Fifth level</a:t>
             </a:r>
-            <a:endParaRPr lang="en-US"/>
           </a:p>
         </p:txBody>
       </p:sp>
@@ -764,7 +756,7 @@
           <a:p>
             <a:fld id="{53514962-C078-4DCC-97D7-818822A2589C}" type="datetimeFigureOut">
               <a:rPr lang="en-US" smtClean="0"/>
-              <a:t>5/7/2021</a:t>
+              <a:t>5/8/2021</a:t>
             </a:fld>
             <a:endParaRPr lang="en-US"/>
           </a:p>
@@ -867,10 +859,9 @@
           </a:lstStyle>
           <a:p>
             <a:r>
-              <a:rPr lang="en-US" smtClean="0"/>
+              <a:rPr lang="en-US"/>
               <a:t>Click to edit Master title style</a:t>
             </a:r>
-            <a:endParaRPr lang="en-US"/>
           </a:p>
         </p:txBody>
       </p:sp>
@@ -987,7 +978,7 @@
           <a:p>
             <a:pPr lvl="0"/>
             <a:r>
-              <a:rPr lang="en-US" smtClean="0"/>
+              <a:rPr lang="en-US"/>
               <a:t>Edit Master text styles</a:t>
             </a:r>
           </a:p>
@@ -1010,7 +1001,7 @@
           <a:p>
             <a:fld id="{53514962-C078-4DCC-97D7-818822A2589C}" type="datetimeFigureOut">
               <a:rPr lang="en-US" smtClean="0"/>
-              <a:t>5/7/2021</a:t>
+              <a:t>5/8/2021</a:t>
             </a:fld>
             <a:endParaRPr lang="en-US"/>
           </a:p>
@@ -1104,10 +1095,9 @@
           <a:lstStyle/>
           <a:p>
             <a:r>
-              <a:rPr lang="en-US" smtClean="0"/>
+              <a:rPr lang="en-US"/>
               <a:t>Click to edit Master title style</a:t>
             </a:r>
-            <a:endParaRPr lang="en-US"/>
           </a:p>
         </p:txBody>
       </p:sp>
@@ -1133,38 +1123,37 @@
           <a:p>
             <a:pPr lvl="0"/>
             <a:r>
-              <a:rPr lang="en-US" smtClean="0"/>
+              <a:rPr lang="en-US"/>
               <a:t>Edit Master text styles</a:t>
             </a:r>
           </a:p>
           <a:p>
             <a:pPr lvl="1"/>
             <a:r>
-              <a:rPr lang="en-US" smtClean="0"/>
+              <a:rPr lang="en-US"/>
               <a:t>Second level</a:t>
             </a:r>
           </a:p>
           <a:p>
             <a:pPr lvl="2"/>
             <a:r>
-              <a:rPr lang="en-US" smtClean="0"/>
+              <a:rPr lang="en-US"/>
               <a:t>Third level</a:t>
             </a:r>
           </a:p>
           <a:p>
             <a:pPr lvl="3"/>
             <a:r>
-              <a:rPr lang="en-US" smtClean="0"/>
+              <a:rPr lang="en-US"/>
               <a:t>Fourth level</a:t>
             </a:r>
           </a:p>
           <a:p>
             <a:pPr lvl="4"/>
             <a:r>
-              <a:rPr lang="en-US" smtClean="0"/>
+              <a:rPr lang="en-US"/>
               <a:t>Fifth level</a:t>
             </a:r>
-            <a:endParaRPr lang="en-US"/>
           </a:p>
         </p:txBody>
       </p:sp>
@@ -1190,38 +1179,37 @@
           <a:p>
             <a:pPr lvl="0"/>
             <a:r>
-              <a:rPr lang="en-US" smtClean="0"/>
+              <a:rPr lang="en-US"/>
               <a:t>Edit Master text styles</a:t>
             </a:r>
           </a:p>
           <a:p>
             <a:pPr lvl="1"/>
             <a:r>
-              <a:rPr lang="en-US" smtClean="0"/>
+              <a:rPr lang="en-US"/>
               <a:t>Second level</a:t>
             </a:r>
           </a:p>
           <a:p>
             <a:pPr lvl="2"/>
             <a:r>
-              <a:rPr lang="en-US" smtClean="0"/>
+              <a:rPr lang="en-US"/>
               <a:t>Third level</a:t>
             </a:r>
           </a:p>
           <a:p>
             <a:pPr lvl="3"/>
             <a:r>
-              <a:rPr lang="en-US" smtClean="0"/>
+              <a:rPr lang="en-US"/>
               <a:t>Fourth level</a:t>
             </a:r>
           </a:p>
           <a:p>
             <a:pPr lvl="4"/>
             <a:r>
-              <a:rPr lang="en-US" smtClean="0"/>
+              <a:rPr lang="en-US"/>
               <a:t>Fifth level</a:t>
             </a:r>
-            <a:endParaRPr lang="en-US"/>
           </a:p>
         </p:txBody>
       </p:sp>
@@ -1242,7 +1230,7 @@
           <a:p>
             <a:fld id="{53514962-C078-4DCC-97D7-818822A2589C}" type="datetimeFigureOut">
               <a:rPr lang="en-US" smtClean="0"/>
-              <a:t>5/7/2021</a:t>
+              <a:t>5/8/2021</a:t>
             </a:fld>
             <a:endParaRPr lang="en-US"/>
           </a:p>
@@ -1341,10 +1329,9 @@
           <a:lstStyle/>
           <a:p>
             <a:r>
-              <a:rPr lang="en-US" smtClean="0"/>
+              <a:rPr lang="en-US"/>
               <a:t>Click to edit Master title style</a:t>
             </a:r>
-            <a:endParaRPr lang="en-US"/>
           </a:p>
         </p:txBody>
       </p:sp>
@@ -1407,7 +1394,7 @@
           <a:p>
             <a:pPr lvl="0"/>
             <a:r>
-              <a:rPr lang="en-US" smtClean="0"/>
+              <a:rPr lang="en-US"/>
               <a:t>Edit Master text styles</a:t>
             </a:r>
           </a:p>
@@ -1435,38 +1422,37 @@
           <a:p>
             <a:pPr lvl="0"/>
             <a:r>
-              <a:rPr lang="en-US" smtClean="0"/>
+              <a:rPr lang="en-US"/>
               <a:t>Edit Master text styles</a:t>
             </a:r>
           </a:p>
           <a:p>
             <a:pPr lvl="1"/>
             <a:r>
-              <a:rPr lang="en-US" smtClean="0"/>
+              <a:rPr lang="en-US"/>
               <a:t>Second level</a:t>
             </a:r>
           </a:p>
           <a:p>
             <a:pPr lvl="2"/>
             <a:r>
-              <a:rPr lang="en-US" smtClean="0"/>
+              <a:rPr lang="en-US"/>
               <a:t>Third level</a:t>
             </a:r>
           </a:p>
           <a:p>
             <a:pPr lvl="3"/>
             <a:r>
-              <a:rPr lang="en-US" smtClean="0"/>
+              <a:rPr lang="en-US"/>
               <a:t>Fourth level</a:t>
             </a:r>
           </a:p>
           <a:p>
             <a:pPr lvl="4"/>
             <a:r>
-              <a:rPr lang="en-US" smtClean="0"/>
+              <a:rPr lang="en-US"/>
               <a:t>Fifth level</a:t>
             </a:r>
-            <a:endParaRPr lang="en-US"/>
           </a:p>
         </p:txBody>
       </p:sp>
@@ -1529,7 +1515,7 @@
           <a:p>
             <a:pPr lvl="0"/>
             <a:r>
-              <a:rPr lang="en-US" smtClean="0"/>
+              <a:rPr lang="en-US"/>
               <a:t>Edit Master text styles</a:t>
             </a:r>
           </a:p>
@@ -1557,38 +1543,37 @@
           <a:p>
             <a:pPr lvl="0"/>
             <a:r>
-              <a:rPr lang="en-US" smtClean="0"/>
+              <a:rPr lang="en-US"/>
               <a:t>Edit Master text styles</a:t>
             </a:r>
           </a:p>
           <a:p>
             <a:pPr lvl="1"/>
             <a:r>
-              <a:rPr lang="en-US" smtClean="0"/>
+              <a:rPr lang="en-US"/>
               <a:t>Second level</a:t>
             </a:r>
           </a:p>
           <a:p>
             <a:pPr lvl="2"/>
             <a:r>
-              <a:rPr lang="en-US" smtClean="0"/>
+              <a:rPr lang="en-US"/>
               <a:t>Third level</a:t>
             </a:r>
           </a:p>
           <a:p>
             <a:pPr lvl="3"/>
             <a:r>
-              <a:rPr lang="en-US" smtClean="0"/>
+              <a:rPr lang="en-US"/>
               <a:t>Fourth level</a:t>
             </a:r>
           </a:p>
           <a:p>
             <a:pPr lvl="4"/>
             <a:r>
-              <a:rPr lang="en-US" smtClean="0"/>
+              <a:rPr lang="en-US"/>
               <a:t>Fifth level</a:t>
             </a:r>
-            <a:endParaRPr lang="en-US"/>
           </a:p>
         </p:txBody>
       </p:sp>
@@ -1609,7 +1594,7 @@
           <a:p>
             <a:fld id="{53514962-C078-4DCC-97D7-818822A2589C}" type="datetimeFigureOut">
               <a:rPr lang="en-US" smtClean="0"/>
-              <a:t>5/7/2021</a:t>
+              <a:t>5/8/2021</a:t>
             </a:fld>
             <a:endParaRPr lang="en-US"/>
           </a:p>
@@ -1703,10 +1688,9 @@
           <a:lstStyle/>
           <a:p>
             <a:r>
-              <a:rPr lang="en-US" smtClean="0"/>
+              <a:rPr lang="en-US"/>
               <a:t>Click to edit Master title style</a:t>
             </a:r>
-            <a:endParaRPr lang="en-US"/>
           </a:p>
         </p:txBody>
       </p:sp>
@@ -1727,7 +1711,7 @@
           <a:p>
             <a:fld id="{53514962-C078-4DCC-97D7-818822A2589C}" type="datetimeFigureOut">
               <a:rPr lang="en-US" smtClean="0"/>
-              <a:t>5/7/2021</a:t>
+              <a:t>5/8/2021</a:t>
             </a:fld>
             <a:endParaRPr lang="en-US"/>
           </a:p>
@@ -1822,7 +1806,7 @@
           <a:p>
             <a:fld id="{53514962-C078-4DCC-97D7-818822A2589C}" type="datetimeFigureOut">
               <a:rPr lang="en-US" smtClean="0"/>
-              <a:t>5/7/2021</a:t>
+              <a:t>5/8/2021</a:t>
             </a:fld>
             <a:endParaRPr lang="en-US"/>
           </a:p>
@@ -1925,10 +1909,9 @@
           </a:lstStyle>
           <a:p>
             <a:r>
-              <a:rPr lang="en-US" smtClean="0"/>
+              <a:rPr lang="en-US"/>
               <a:t>Click to edit Master title style</a:t>
             </a:r>
-            <a:endParaRPr lang="en-US"/>
           </a:p>
         </p:txBody>
       </p:sp>
@@ -1982,38 +1965,37 @@
           <a:p>
             <a:pPr lvl="0"/>
             <a:r>
-              <a:rPr lang="en-US" smtClean="0"/>
+              <a:rPr lang="en-US"/>
               <a:t>Edit Master text styles</a:t>
             </a:r>
           </a:p>
           <a:p>
             <a:pPr lvl="1"/>
             <a:r>
-              <a:rPr lang="en-US" smtClean="0"/>
+              <a:rPr lang="en-US"/>
               <a:t>Second level</a:t>
             </a:r>
           </a:p>
           <a:p>
             <a:pPr lvl="2"/>
             <a:r>
-              <a:rPr lang="en-US" smtClean="0"/>
+              <a:rPr lang="en-US"/>
               <a:t>Third level</a:t>
             </a:r>
           </a:p>
           <a:p>
             <a:pPr lvl="3"/>
             <a:r>
-              <a:rPr lang="en-US" smtClean="0"/>
+              <a:rPr lang="en-US"/>
               <a:t>Fourth level</a:t>
             </a:r>
           </a:p>
           <a:p>
             <a:pPr lvl="4"/>
             <a:r>
-              <a:rPr lang="en-US" smtClean="0"/>
+              <a:rPr lang="en-US"/>
               <a:t>Fifth level</a:t>
             </a:r>
-            <a:endParaRPr lang="en-US"/>
           </a:p>
         </p:txBody>
       </p:sp>
@@ -2076,7 +2058,7 @@
           <a:p>
             <a:pPr lvl="0"/>
             <a:r>
-              <a:rPr lang="en-US" smtClean="0"/>
+              <a:rPr lang="en-US"/>
               <a:t>Edit Master text styles</a:t>
             </a:r>
           </a:p>
@@ -2099,7 +2081,7 @@
           <a:p>
             <a:fld id="{53514962-C078-4DCC-97D7-818822A2589C}" type="datetimeFigureOut">
               <a:rPr lang="en-US" smtClean="0"/>
-              <a:t>5/7/2021</a:t>
+              <a:t>5/8/2021</a:t>
             </a:fld>
             <a:endParaRPr lang="en-US"/>
           </a:p>
@@ -2202,10 +2184,9 @@
           </a:lstStyle>
           <a:p>
             <a:r>
-              <a:rPr lang="en-US" smtClean="0"/>
+              <a:rPr lang="en-US"/>
               <a:t>Click to edit Master title style</a:t>
             </a:r>
-            <a:endParaRPr lang="en-US"/>
           </a:p>
         </p:txBody>
       </p:sp>
@@ -2329,7 +2310,7 @@
           <a:p>
             <a:pPr lvl="0"/>
             <a:r>
-              <a:rPr lang="en-US" smtClean="0"/>
+              <a:rPr lang="en-US"/>
               <a:t>Edit Master text styles</a:t>
             </a:r>
           </a:p>
@@ -2352,7 +2333,7 @@
           <a:p>
             <a:fld id="{53514962-C078-4DCC-97D7-818822A2589C}" type="datetimeFigureOut">
               <a:rPr lang="en-US" smtClean="0"/>
-              <a:t>5/7/2021</a:t>
+              <a:t>5/8/2021</a:t>
             </a:fld>
             <a:endParaRPr lang="en-US"/>
           </a:p>
@@ -2461,10 +2442,9 @@
           <a:lstStyle/>
           <a:p>
             <a:r>
-              <a:rPr lang="en-US" smtClean="0"/>
+              <a:rPr lang="en-US"/>
               <a:t>Click to edit Master title style</a:t>
             </a:r>
-            <a:endParaRPr lang="en-US"/>
           </a:p>
         </p:txBody>
       </p:sp>
@@ -2495,38 +2475,37 @@
           <a:p>
             <a:pPr lvl="0"/>
             <a:r>
-              <a:rPr lang="en-US" smtClean="0"/>
+              <a:rPr lang="en-US"/>
               <a:t>Edit Master text styles</a:t>
             </a:r>
           </a:p>
           <a:p>
             <a:pPr lvl="1"/>
             <a:r>
-              <a:rPr lang="en-US" smtClean="0"/>
+              <a:rPr lang="en-US"/>
               <a:t>Second level</a:t>
             </a:r>
           </a:p>
           <a:p>
             <a:pPr lvl="2"/>
             <a:r>
-              <a:rPr lang="en-US" smtClean="0"/>
+              <a:rPr lang="en-US"/>
               <a:t>Third level</a:t>
             </a:r>
           </a:p>
           <a:p>
             <a:pPr lvl="3"/>
             <a:r>
-              <a:rPr lang="en-US" smtClean="0"/>
+              <a:rPr lang="en-US"/>
               <a:t>Fourth level</a:t>
             </a:r>
           </a:p>
           <a:p>
             <a:pPr lvl="4"/>
             <a:r>
-              <a:rPr lang="en-US" smtClean="0"/>
+              <a:rPr lang="en-US"/>
               <a:t>Fifth level</a:t>
             </a:r>
-            <a:endParaRPr lang="en-US"/>
           </a:p>
         </p:txBody>
       </p:sp>
@@ -2565,7 +2544,7 @@
           <a:p>
             <a:fld id="{53514962-C078-4DCC-97D7-818822A2589C}" type="datetimeFigureOut">
               <a:rPr lang="en-US" smtClean="0"/>
-              <a:t>5/7/2021</a:t>
+              <a:t>5/8/2021</a:t>
             </a:fld>
             <a:endParaRPr lang="en-US"/>
           </a:p>
@@ -2986,10 +2965,9 @@
           <a:lstStyle/>
           <a:p>
             <a:r>
-              <a:rPr lang="en-US" dirty="0" smtClean="0"/>
+              <a:rPr lang="en-US" dirty="0"/>
               <a:t>@Import</a:t>
             </a:r>
-            <a:endParaRPr lang="en-US" dirty="0"/>
           </a:p>
         </p:txBody>
       </p:sp>
@@ -3014,57 +2992,49 @@
               <a:buNone/>
             </a:pPr>
             <a:r>
-              <a:rPr lang="ru-RU" dirty="0" smtClean="0"/>
+              <a:rPr lang="ru-RU" dirty="0"/>
               <a:t>В большом приложении часто необходимо несколько конфигурационных файлов, в таком сценарии нужно предоставлять все классы @</a:t>
-            </a:r>
-            <a:r>
-              <a:rPr lang="ru-RU" dirty="0" err="1" smtClean="0"/>
-              <a:t>Configuration</a:t>
-            </a:r>
-            <a:r>
-              <a:rPr lang="ru-RU" dirty="0" smtClean="0"/>
-              <a:t> конструктору </a:t>
-            </a:r>
-            <a:r>
-              <a:rPr lang="en-US" dirty="0" err="1" smtClean="0"/>
-              <a:t>AnnotationConfigApplicationContext</a:t>
-            </a:r>
-            <a:r>
-              <a:rPr lang="ru-RU" dirty="0" smtClean="0"/>
-              <a:t>.</a:t>
-            </a:r>
-          </a:p>
-          <a:p>
-            <a:pPr marL="0" indent="0">
-              <a:buNone/>
-            </a:pPr>
-            <a:r>
-              <a:rPr lang="ru-RU" dirty="0" smtClean="0"/>
-              <a:t>Часто предпочтительнее использовать подход агрегации, когда один класс </a:t>
-            </a:r>
-            <a:r>
-              <a:rPr lang="ru-RU" dirty="0"/>
-              <a:t>@</a:t>
             </a:r>
             <a:r>
               <a:rPr lang="ru-RU" dirty="0" err="1"/>
               <a:t>Configuration</a:t>
             </a:r>
             <a:r>
-              <a:rPr lang="ru-RU" dirty="0" smtClean="0"/>
+              <a:rPr lang="ru-RU" dirty="0"/>
+              <a:t> конструктору </a:t>
+            </a:r>
+            <a:r>
+              <a:rPr lang="en-US" dirty="0" err="1"/>
+              <a:t>AnnotationConfigApplicationContext</a:t>
+            </a:r>
+            <a:r>
+              <a:rPr lang="ru-RU" dirty="0"/>
+              <a:t>.</a:t>
+            </a:r>
+          </a:p>
+          <a:p>
+            <a:pPr marL="0" indent="0">
+              <a:buNone/>
+            </a:pPr>
+            <a:r>
+              <a:rPr lang="ru-RU" dirty="0"/>
+              <a:t>Часто предпочтительнее использовать подход агрегации, когда один класс @</a:t>
+            </a:r>
+            <a:r>
+              <a:rPr lang="ru-RU" dirty="0" err="1"/>
+              <a:t>Configuration</a:t>
+            </a:r>
+            <a:r>
+              <a:rPr lang="ru-RU" dirty="0"/>
               <a:t> логически импортирует определения </a:t>
             </a:r>
             <a:r>
-              <a:rPr lang="ru-RU" dirty="0" err="1" smtClean="0"/>
+              <a:rPr lang="ru-RU" dirty="0" err="1"/>
               <a:t>бинов</a:t>
             </a:r>
             <a:r>
-              <a:rPr lang="ru-RU" dirty="0" smtClean="0"/>
-              <a:t> из </a:t>
-            </a:r>
-            <a:r>
-              <a:rPr lang="ru-RU" dirty="0" smtClean="0"/>
-              <a:t>других классов. </a:t>
+              <a:rPr lang="ru-RU" dirty="0"/>
+              <a:t> из других классов. </a:t>
             </a:r>
           </a:p>
           <a:p>
@@ -3080,12 +3050,8 @@
               <a:t>Import</a:t>
             </a:r>
             <a:r>
-              <a:rPr lang="ru-RU" dirty="0" smtClean="0"/>
-              <a:t> обеспечивает именно такую поддержку, и это прямой эквивалент элемента </a:t>
-            </a:r>
-            <a:r>
               <a:rPr lang="ru-RU" dirty="0"/>
-              <a:t>&lt;</a:t>
+              <a:t> обеспечивает именно такую поддержку, и это прямой эквивалент элемента &lt;</a:t>
             </a:r>
             <a:r>
               <a:rPr lang="ru-RU" dirty="0" err="1"/>
@@ -3093,11 +3059,7 @@
             </a:r>
             <a:r>
               <a:rPr lang="ru-RU" dirty="0"/>
-              <a:t>/&gt;</a:t>
-            </a:r>
-            <a:r>
-              <a:rPr lang="ru-RU" dirty="0" smtClean="0"/>
-              <a:t> , в XML.</a:t>
+              <a:t>/&gt; , в XML.</a:t>
             </a:r>
           </a:p>
           <a:p>
@@ -3105,6 +3067,65 @@
               <a:buNone/>
             </a:pPr>
             <a:endParaRPr lang="en-US" dirty="0"/>
+          </a:p>
+        </p:txBody>
+      </p:sp>
+      <p:sp>
+        <p:nvSpPr>
+          <p:cNvPr id="4" name="TextBox 3">
+            <a:extLst>
+              <a:ext uri="{FF2B5EF4-FFF2-40B4-BE49-F238E27FC236}">
+                <a16:creationId xmlns:a16="http://schemas.microsoft.com/office/drawing/2014/main" id="{D524F46D-F21D-444E-A51A-C6943AD0F4C2}"/>
+              </a:ext>
+            </a:extLst>
+          </p:cNvPr>
+          <p:cNvSpPr txBox="1"/>
+          <p:nvPr/>
+        </p:nvSpPr>
+        <p:spPr>
+          <a:xfrm>
+            <a:off x="728133" y="6493933"/>
+            <a:ext cx="5348259" cy="369332"/>
+          </a:xfrm>
+          <a:prstGeom prst="rect">
+            <a:avLst/>
+          </a:prstGeom>
+          <a:noFill/>
+        </p:spPr>
+        <p:txBody>
+          <a:bodyPr wrap="none" rtlCol="0">
+            <a:spAutoFit/>
+          </a:bodyPr>
+          <a:lstStyle/>
+          <a:p>
+            <a:r>
+              <a:rPr lang="en-CA" dirty="0"/>
+              <a:t>(</a:t>
+            </a:r>
+            <a:r>
+              <a:rPr lang="ru-RU" dirty="0"/>
+              <a:t>Надо тогда добавить пример, где есть </a:t>
+            </a:r>
+            <a:r>
+              <a:rPr lang="ru-RU" dirty="0" err="1"/>
+              <a:t>имопрт</a:t>
+            </a:r>
+            <a:r>
+              <a:rPr lang="ru-RU" dirty="0"/>
+              <a:t> </a:t>
+            </a:r>
+            <a:r>
+              <a:rPr lang="en-CA" dirty="0"/>
+              <a:t>xml)</a:t>
+            </a:r>
+            <a:r>
+              <a:rPr lang="en-US" dirty="0"/>
+              <a:t> </a:t>
+            </a:r>
+            <a:r>
+              <a:rPr lang="ru-RU" dirty="0"/>
+              <a:t> </a:t>
+            </a:r>
           </a:p>
         </p:txBody>
       </p:sp>
@@ -3160,44 +3181,32 @@
           <a:p>
             <a:r>
               <a:rPr lang="ru-RU" dirty="0"/>
-              <a:t>При включенном сканировании компонентов трудно сразу увидеть, </a:t>
-            </a:r>
-            <a:r>
-              <a:rPr lang="ru-RU" dirty="0" smtClean="0"/>
-              <a:t>как</a:t>
-            </a:r>
-            <a:r>
-              <a:rPr lang="ru-RU" dirty="0"/>
-              <a:t> @</a:t>
+              <a:t>При включенном сканировании компонентов трудно сразу увидеть, как @</a:t>
             </a:r>
             <a:r>
               <a:rPr lang="ru-RU" dirty="0" err="1"/>
               <a:t>Import</a:t>
             </a:r>
             <a:r>
-              <a:rPr lang="ru-RU" dirty="0" smtClean="0"/>
+              <a:rPr lang="ru-RU" dirty="0"/>
               <a:t> добавляет </a:t>
             </a:r>
             <a:r>
-              <a:rPr lang="ru-RU" dirty="0" err="1" smtClean="0"/>
+              <a:rPr lang="ru-RU" dirty="0" err="1"/>
               <a:t>ценность.Особенно</a:t>
             </a:r>
             <a:r>
-              <a:rPr lang="ru-RU" dirty="0" smtClean="0"/>
+              <a:rPr lang="ru-RU" dirty="0"/>
               <a:t> если ваш взгляд на мир ограничен вашим собственным приложением и его пакетами. Эта аннотация может помочь, если вы импортируете бобовые библиотеки с их собственной структурой пакетов, которые вы не хотите сканировать в компонентах.</a:t>
             </a:r>
           </a:p>
           <a:p>
-            <a:endParaRPr lang="ru-RU" dirty="0" smtClean="0"/>
-          </a:p>
-          <a:p>
-            <a:r>
-              <a:rPr lang="ru-RU" dirty="0" smtClean="0"/>
-              <a:t>Демонстрация работы представлена в примере</a:t>
-            </a:r>
-            <a:r>
-              <a:rPr lang="ru-RU" dirty="0" smtClean="0"/>
-              <a:t>.</a:t>
+            <a:endParaRPr lang="ru-RU" dirty="0"/>
+          </a:p>
+          <a:p>
+            <a:r>
+              <a:rPr lang="ru-RU" dirty="0"/>
+              <a:t>Демонстрация работы представлена в примере.</a:t>
             </a:r>
           </a:p>
           <a:p>
@@ -3205,7 +3214,7 @@
               <a:buNone/>
             </a:pPr>
             <a:r>
-              <a:rPr lang="ru-RU" dirty="0" smtClean="0"/>
+              <a:rPr lang="ru-RU" dirty="0"/>
               <a:t>Для использования достаточно навесить аннотацию на конфигурационный класс и указать, какие классы надо импортировать</a:t>
             </a:r>
             <a:endParaRPr lang="en-US" dirty="0"/>
@@ -3283,7 +3292,7 @@
               <a:tabLst/>
             </a:pPr>
             <a:r>
-              <a:rPr kumimoji="0" lang="en-US" altLang="en-US" sz="2000" b="0" i="0" u="none" strike="noStrike" cap="none" normalizeH="0" baseline="0" dirty="0" smtClean="0">
+              <a:rPr kumimoji="0" lang="en-US" altLang="en-US" sz="2000" b="0" i="0" u="none" strike="noStrike" cap="none" normalizeH="0" baseline="0" dirty="0">
                 <a:ln>
                   <a:noFill/>
                 </a:ln>
@@ -3296,7 +3305,7 @@
               <a:t>@Import</a:t>
             </a:r>
             <a:r>
-              <a:rPr kumimoji="0" lang="en-US" altLang="en-US" sz="2000" b="0" i="0" u="none" strike="noStrike" cap="none" normalizeH="0" baseline="0" dirty="0" smtClean="0">
+              <a:rPr kumimoji="0" lang="en-US" altLang="en-US" sz="2000" b="0" i="0" u="none" strike="noStrike" cap="none" normalizeH="0" baseline="0" dirty="0">
                 <a:ln>
                   <a:noFill/>
                 </a:ln>
@@ -3309,7 +3318,7 @@
               <a:t>(Config1.</a:t>
             </a:r>
             <a:r>
-              <a:rPr kumimoji="0" lang="en-US" altLang="en-US" sz="2000" b="0" i="0" u="none" strike="noStrike" cap="none" normalizeH="0" baseline="0" dirty="0" smtClean="0">
+              <a:rPr kumimoji="0" lang="en-US" altLang="en-US" sz="2000" b="0" i="0" u="none" strike="noStrike" cap="none" normalizeH="0" baseline="0" dirty="0">
                 <a:ln>
                   <a:noFill/>
                 </a:ln>
@@ -3322,7 +3331,7 @@
               <a:t>class</a:t>
             </a:r>
             <a:r>
-              <a:rPr kumimoji="0" lang="en-US" altLang="en-US" sz="2000" b="0" i="0" u="none" strike="noStrike" cap="none" normalizeH="0" baseline="0" dirty="0" smtClean="0">
+              <a:rPr kumimoji="0" lang="en-US" altLang="en-US" sz="2000" b="0" i="0" u="none" strike="noStrike" cap="none" normalizeH="0" baseline="0" dirty="0">
                 <a:ln>
                   <a:noFill/>
                 </a:ln>
@@ -3334,7 +3343,7 @@
               </a:rPr>
               <a:t>)</a:t>
             </a:r>
-            <a:endParaRPr kumimoji="0" lang="en-US" altLang="en-US" sz="2000" b="0" i="0" u="none" strike="noStrike" cap="none" normalizeH="0" baseline="0" dirty="0" smtClean="0">
+            <a:endParaRPr kumimoji="0" lang="en-US" altLang="en-US" sz="2000" b="0" i="0" u="none" strike="noStrike" cap="none" normalizeH="0" baseline="0" dirty="0">
               <a:ln>
                 <a:noFill/>
               </a:ln>
